--- a/AzureMachineLearning_Slides_VaithilingamSudha.pptx
+++ b/AzureMachineLearning_Slides_VaithilingamSudha.pptx
@@ -7447,21 +7447,30 @@
             <a:pPr lvl="0"/>
             <a:r>
               <a:rPr lang="en-US" dirty="0"/>
-              <a:t>Run experiments fast   </a:t>
+              <a:t>Run experiments fast </a:t>
             </a:r>
           </a:p>
           <a:p>
             <a:pPr lvl="0"/>
             <a:r>
               <a:rPr lang="en-US" dirty="0"/>
-              <a:t>Good tool for beginners in Machine Learning</a:t>
+              <a:t>You can change the algorithm and run experiments easily to select the best model</a:t>
             </a:r>
           </a:p>
           <a:p>
             <a:pPr lvl="0"/>
             <a:r>
               <a:rPr lang="en-US" dirty="0"/>
-              <a:t>Good tool for data scientists who are not technologists  </a:t>
+              <a:t>Good tool for beginners in Machine Learning </a:t>
+            </a:r>
+          </a:p>
+          <a:p>
+            <a:pPr marL="0" lvl="0" indent="0">
+              <a:buNone/>
+            </a:pPr>
+            <a:r>
+              <a:rPr lang="en-US" dirty="0"/>
+              <a:t>  </a:t>
             </a:r>
           </a:p>
           <a:p>
@@ -7486,18 +7495,6 @@
               <a:rPr lang="en-US" dirty="0"/>
               <a:t>Modules are a black box </a:t>
             </a:r>
-          </a:p>
-          <a:p>
-            <a:pPr lvl="0"/>
-            <a:r>
-              <a:rPr lang="en-US" dirty="0"/>
-              <a:t>Deploying trained model as a web service did not work as </a:t>
-            </a:r>
-            <a:r>
-              <a:rPr lang="en-US"/>
-              <a:t>I expected</a:t>
-            </a:r>
-            <a:endParaRPr lang="en-US" dirty="0"/>
           </a:p>
         </p:txBody>
       </p:sp>
@@ -8072,7 +8069,7 @@
           <a:p>
             <a:r>
               <a:rPr lang="en-US" dirty="0"/>
-              <a:t>YouTube URLs, GitHub URL, Last Page</a:t>
+              <a:t>YouTube URLs, GitHub URL</a:t>
             </a:r>
           </a:p>
         </p:txBody>
@@ -8094,20 +8091,41 @@
           <a:p>
             <a:r>
               <a:rPr lang="en-US" dirty="0"/>
-              <a:t>Two minute (short):</a:t>
-            </a:r>
+              <a:t>Two minute (short): </a:t>
+            </a:r>
+            <a:r>
+              <a:rPr lang="en-US" dirty="0">
+                <a:hlinkClick r:id="rId2"/>
+              </a:rPr>
+              <a:t>https://youtu.be/mkPC1X_rWmg</a:t>
+            </a:r>
+            <a:endParaRPr lang="en-US" dirty="0"/>
           </a:p>
           <a:p>
             <a:r>
               <a:rPr lang="en-US" dirty="0"/>
-              <a:t>15 minutes (long):</a:t>
-            </a:r>
+              <a:t>15 minutes (long): </a:t>
+            </a:r>
+            <a:r>
+              <a:rPr lang="en-US" u="sng" dirty="0">
+                <a:hlinkClick r:id="rId3"/>
+              </a:rPr>
+              <a:t>https://youtu.be/S5AlFwjn5-8</a:t>
+            </a:r>
+            <a:endParaRPr lang="en-US" dirty="0"/>
           </a:p>
           <a:p>
             <a:r>
               <a:rPr lang="en-US" dirty="0"/>
               <a:t>GitHub Repository with all artifacts: </a:t>
             </a:r>
+            <a:r>
+              <a:rPr lang="en-US" dirty="0">
+                <a:hlinkClick r:id="rId4"/>
+              </a:rPr>
+              <a:t>https://github.com/SVRD17/DeepAzureFinalProject.git</a:t>
+            </a:r>
+            <a:endParaRPr lang="en-US" dirty="0"/>
           </a:p>
         </p:txBody>
       </p:sp>
@@ -8403,7 +8421,7 @@
             </a:pPr>
             <a:r>
               <a:rPr lang="en-US" dirty="0"/>
-              <a:t>For companies to stay profitable it is important to have a strategy focusing not only on winning new customers but retaining existing customers. If companies can predict which customers are at a risk of leaving (churn), which customers are good candidates for add-ons (upselling) and new products/services (appetency), it would help them optimize their customer relationship and sales/marketing effort and dollars. In this project, I have used Azure Machine Learning to build a Customer Relationship Prediction model to predict churn, appetency and upselling using datasets modeled from KDD Cup 2009.</a:t>
+              <a:t>In this competitive world, For companies to stay profitable it is important to have a strategy focusing not only on winning new customers but retaining existing customers. If companies can predict which customers are at a risk of leaving (churn), which customers are good candidates for add-ons (upselling) and new products/services (appetency), it would help them optimize their customer relationship and sales/marketing effort and dollars. In this project, I have used Azure Machine Learning to build a Customer Relationship Prediction model to predict churn, appetency and upselling using datasets modeled from KDD Cup 2009.</a:t>
             </a:r>
           </a:p>
         </p:txBody>
@@ -8942,12 +8960,48 @@
           </a:p>
         </p:txBody>
       </p:sp>
+      <p:sp>
+        <p:nvSpPr>
+          <p:cNvPr id="3" name="Rectangle 2">
+            <a:extLst>
+              <a:ext uri="{FF2B5EF4-FFF2-40B4-BE49-F238E27FC236}">
+                <a16:creationId xmlns:a16="http://schemas.microsoft.com/office/drawing/2014/main" id="{F66DA629-0844-4EF7-A415-2E834EAA9A4F}"/>
+              </a:ext>
+            </a:extLst>
+          </p:cNvPr>
+          <p:cNvSpPr/>
+          <p:nvPr/>
+        </p:nvSpPr>
+        <p:spPr>
+          <a:xfrm>
+            <a:off x="704850" y="944563"/>
+            <a:ext cx="7677150" cy="646331"/>
+          </a:xfrm>
+          <a:prstGeom prst="rect">
+            <a:avLst/>
+          </a:prstGeom>
+        </p:spPr>
+        <p:txBody>
+          <a:bodyPr wrap="square">
+            <a:spAutoFit/>
+          </a:bodyPr>
+          <a:lstStyle/>
+          <a:p>
+            <a:r>
+              <a:rPr lang="en-US" dirty="0">
+                <a:latin typeface="+mn-lt"/>
+              </a:rPr>
+              <a:t>Azure Machine Learning is a cloud predictive analytics service that makes it possible to quickly create and deploy predictive models as analytics solutions.</a:t>
+            </a:r>
+          </a:p>
+        </p:txBody>
+      </p:sp>
       <p:pic>
         <p:nvPicPr>
-          <p:cNvPr id="2" name="Picture 1">
+          <p:cNvPr id="4" name="Picture 3">
             <a:extLst>
               <a:ext uri="{FF2B5EF4-FFF2-40B4-BE49-F238E27FC236}">
-                <a16:creationId xmlns:a16="http://schemas.microsoft.com/office/drawing/2014/main" id="{4E82897B-9100-400E-A702-2159FD6BB681}"/>
+                <a16:creationId xmlns:a16="http://schemas.microsoft.com/office/drawing/2014/main" id="{12ABE82E-C9A1-4E59-8D4E-DB7647C65253}"/>
               </a:ext>
             </a:extLst>
           </p:cNvPr>
@@ -8964,50 +9018,14 @@
         </p:blipFill>
         <p:spPr>
           <a:xfrm>
-            <a:off x="704850" y="1709477"/>
-            <a:ext cx="7981950" cy="3238500"/>
+            <a:off x="727887" y="2023435"/>
+            <a:ext cx="7181850" cy="2838450"/>
           </a:xfrm>
           <a:prstGeom prst="rect">
             <a:avLst/>
           </a:prstGeom>
         </p:spPr>
       </p:pic>
-      <p:sp>
-        <p:nvSpPr>
-          <p:cNvPr id="3" name="Rectangle 2">
-            <a:extLst>
-              <a:ext uri="{FF2B5EF4-FFF2-40B4-BE49-F238E27FC236}">
-                <a16:creationId xmlns:a16="http://schemas.microsoft.com/office/drawing/2014/main" id="{F66DA629-0844-4EF7-A415-2E834EAA9A4F}"/>
-              </a:ext>
-            </a:extLst>
-          </p:cNvPr>
-          <p:cNvSpPr/>
-          <p:nvPr/>
-        </p:nvSpPr>
-        <p:spPr>
-          <a:xfrm>
-            <a:off x="704850" y="944563"/>
-            <a:ext cx="7677150" cy="646331"/>
-          </a:xfrm>
-          <a:prstGeom prst="rect">
-            <a:avLst/>
-          </a:prstGeom>
-        </p:spPr>
-        <p:txBody>
-          <a:bodyPr wrap="square">
-            <a:spAutoFit/>
-          </a:bodyPr>
-          <a:lstStyle/>
-          <a:p>
-            <a:r>
-              <a:rPr lang="en-US" dirty="0">
-                <a:latin typeface="+mn-lt"/>
-              </a:rPr>
-              <a:t>Azure Machine Learning is a cloud predictive analytics service that makes it possible to quickly create and deploy predictive models as analytics solutions.</a:t>
-            </a:r>
-          </a:p>
-        </p:txBody>
-      </p:sp>
     </p:spTree>
     <p:extLst>
       <p:ext uri="{BB962C8B-B14F-4D97-AF65-F5344CB8AC3E}">
@@ -9931,7 +9949,16 @@
             </a:pPr>
             <a:r>
               <a:rPr lang="en-US" dirty="0"/>
-              <a:t>	190 columns – numerical, 40 columns – categorical, Lot of missing values</a:t>
+              <a:t>	190 columns – numerical, 40 columns – categorical</a:t>
+            </a:r>
+          </a:p>
+          <a:p>
+            <a:pPr marL="0" indent="0">
+              <a:buNone/>
+            </a:pPr>
+            <a:r>
+              <a:rPr lang="en-US" dirty="0"/>
+              <a:t>	Lot of missing values, Dataset requires cleaning</a:t>
             </a:r>
           </a:p>
           <a:p>
@@ -11087,7 +11114,7 @@
           <a:p>
             <a:r>
               <a:rPr lang="en-US" dirty="0"/>
-              <a:t>Customer Prediction Model</a:t>
+              <a:t>Customer Relationship Prediction Model</a:t>
             </a:r>
           </a:p>
         </p:txBody>
@@ -11376,7 +11403,7 @@
           <a:p>
             <a:r>
               <a:rPr lang="en-US" dirty="0"/>
-              <a:t>The Customer Prediction Model after it is built with all the modules</a:t>
+              <a:t>The Customer Relationship Prediction Model after it is built</a:t>
             </a:r>
           </a:p>
           <a:p>
